--- a/git使用教學.pptx
+++ b/git使用教學.pptx
@@ -25,6 +25,16 @@
     <p:sldId id="271" r:id="rId19"/>
     <p:sldId id="272" r:id="rId20"/>
     <p:sldId id="273" r:id="rId21"/>
+    <p:sldId id="277" r:id="rId22"/>
+    <p:sldId id="278" r:id="rId23"/>
+    <p:sldId id="279" r:id="rId24"/>
+    <p:sldId id="280" r:id="rId25"/>
+    <p:sldId id="281" r:id="rId26"/>
+    <p:sldId id="283" r:id="rId27"/>
+    <p:sldId id="282" r:id="rId28"/>
+    <p:sldId id="284" r:id="rId29"/>
+    <p:sldId id="285" r:id="rId30"/>
+    <p:sldId id="286" r:id="rId31"/>
   </p:sldIdLst>
   <p:sldSz cx="12192000" cy="6858000"/>
   <p:notesSz cx="6858000" cy="9144000"/>
@@ -295,7 +305,7 @@
           <a:p>
             <a:fld id="{0F35AA74-7485-4F35-971F-175FC1629927}" type="datetimeFigureOut">
               <a:rPr lang="zh-TW" altLang="en-US" smtClean="0"/>
-              <a:t>2018/12/14</a:t>
+              <a:t>2018/12/15</a:t>
             </a:fld>
             <a:endParaRPr lang="zh-TW" altLang="en-US"/>
           </a:p>
@@ -493,7 +503,7 @@
           <a:p>
             <a:fld id="{0F35AA74-7485-4F35-971F-175FC1629927}" type="datetimeFigureOut">
               <a:rPr lang="zh-TW" altLang="en-US" smtClean="0"/>
-              <a:t>2018/12/14</a:t>
+              <a:t>2018/12/15</a:t>
             </a:fld>
             <a:endParaRPr lang="zh-TW" altLang="en-US"/>
           </a:p>
@@ -701,7 +711,7 @@
           <a:p>
             <a:fld id="{0F35AA74-7485-4F35-971F-175FC1629927}" type="datetimeFigureOut">
               <a:rPr lang="zh-TW" altLang="en-US" smtClean="0"/>
-              <a:t>2018/12/14</a:t>
+              <a:t>2018/12/15</a:t>
             </a:fld>
             <a:endParaRPr lang="zh-TW" altLang="en-US"/>
           </a:p>
@@ -937,7 +947,7 @@
           <a:p>
             <a:fld id="{0F35AA74-7485-4F35-971F-175FC1629927}" type="datetimeFigureOut">
               <a:rPr lang="zh-TW" altLang="en-US" smtClean="0"/>
-              <a:t>2018/12/14</a:t>
+              <a:t>2018/12/15</a:t>
             </a:fld>
             <a:endParaRPr lang="zh-TW" altLang="en-US"/>
           </a:p>
@@ -1217,7 +1227,7 @@
           <a:p>
             <a:fld id="{0F35AA74-7485-4F35-971F-175FC1629927}" type="datetimeFigureOut">
               <a:rPr lang="zh-TW" altLang="en-US" smtClean="0"/>
-              <a:t>2018/12/14</a:t>
+              <a:t>2018/12/15</a:t>
             </a:fld>
             <a:endParaRPr lang="zh-TW" altLang="en-US"/>
           </a:p>
@@ -1551,7 +1561,7 @@
           <a:p>
             <a:fld id="{0F35AA74-7485-4F35-971F-175FC1629927}" type="datetimeFigureOut">
               <a:rPr lang="zh-TW" altLang="en-US" smtClean="0"/>
-              <a:t>2018/12/14</a:t>
+              <a:t>2018/12/15</a:t>
             </a:fld>
             <a:endParaRPr lang="zh-TW" altLang="en-US"/>
           </a:p>
@@ -1963,7 +1973,7 @@
           <a:p>
             <a:fld id="{0F35AA74-7485-4F35-971F-175FC1629927}" type="datetimeFigureOut">
               <a:rPr lang="zh-TW" altLang="en-US" smtClean="0"/>
-              <a:t>2018/12/14</a:t>
+              <a:t>2018/12/15</a:t>
             </a:fld>
             <a:endParaRPr lang="zh-TW" altLang="en-US"/>
           </a:p>
@@ -2104,7 +2114,7 @@
           <a:p>
             <a:fld id="{0F35AA74-7485-4F35-971F-175FC1629927}" type="datetimeFigureOut">
               <a:rPr lang="zh-TW" altLang="en-US" smtClean="0"/>
-              <a:t>2018/12/14</a:t>
+              <a:t>2018/12/15</a:t>
             </a:fld>
             <a:endParaRPr lang="zh-TW" altLang="en-US"/>
           </a:p>
@@ -2217,7 +2227,7 @@
           <a:p>
             <a:fld id="{0F35AA74-7485-4F35-971F-175FC1629927}" type="datetimeFigureOut">
               <a:rPr lang="zh-TW" altLang="en-US" smtClean="0"/>
-              <a:t>2018/12/14</a:t>
+              <a:t>2018/12/15</a:t>
             </a:fld>
             <a:endParaRPr lang="zh-TW" altLang="en-US"/>
           </a:p>
@@ -2528,7 +2538,7 @@
           <a:p>
             <a:fld id="{0F35AA74-7485-4F35-971F-175FC1629927}" type="datetimeFigureOut">
               <a:rPr lang="zh-TW" altLang="en-US" smtClean="0"/>
-              <a:t>2018/12/14</a:t>
+              <a:t>2018/12/15</a:t>
             </a:fld>
             <a:endParaRPr lang="zh-TW" altLang="en-US"/>
           </a:p>
@@ -2816,7 +2826,7 @@
           <a:p>
             <a:fld id="{0F35AA74-7485-4F35-971F-175FC1629927}" type="datetimeFigureOut">
               <a:rPr lang="zh-TW" altLang="en-US" smtClean="0"/>
-              <a:t>2018/12/14</a:t>
+              <a:t>2018/12/15</a:t>
             </a:fld>
             <a:endParaRPr lang="zh-TW" altLang="en-US"/>
           </a:p>
@@ -3057,7 +3067,7 @@
           <a:p>
             <a:fld id="{0F35AA74-7485-4F35-971F-175FC1629927}" type="datetimeFigureOut">
               <a:rPr lang="zh-TW" altLang="en-US" smtClean="0"/>
-              <a:t>2018/12/14</a:t>
+              <a:t>2018/12/15</a:t>
             </a:fld>
             <a:endParaRPr lang="zh-TW" altLang="en-US"/>
           </a:p>
@@ -5915,6 +5925,1824 @@
 </p:sld>
 </file>
 
+<file path=ppt/slides/slide21.xml><?xml version="1.0" encoding="utf-8"?>
+<p:sld xmlns:a="http://schemas.openxmlformats.org/drawingml/2006/main" xmlns:r="http://schemas.openxmlformats.org/officeDocument/2006/relationships" xmlns:p="http://schemas.openxmlformats.org/presentationml/2006/main">
+  <p:cSld>
+    <p:spTree>
+      <p:nvGrpSpPr>
+        <p:cNvPr id="1" name=""/>
+        <p:cNvGrpSpPr/>
+        <p:nvPr/>
+      </p:nvGrpSpPr>
+      <p:grpSpPr>
+        <a:xfrm>
+          <a:off x="0" y="0"/>
+          <a:ext cx="0" cy="0"/>
+          <a:chOff x="0" y="0"/>
+          <a:chExt cx="0" cy="0"/>
+        </a:xfrm>
+      </p:grpSpPr>
+      <p:sp>
+        <p:nvSpPr>
+          <p:cNvPr id="4" name="標題 3">
+            <a:extLst>
+              <a:ext uri="{FF2B5EF4-FFF2-40B4-BE49-F238E27FC236}">
+                <a16:creationId xmlns:a16="http://schemas.microsoft.com/office/drawing/2014/main" id="{5B990961-5214-43E4-B488-034F00816C6E}"/>
+              </a:ext>
+            </a:extLst>
+          </p:cNvPr>
+          <p:cNvSpPr>
+            <a:spLocks noGrp="1"/>
+          </p:cNvSpPr>
+          <p:nvPr>
+            <p:ph type="title"/>
+          </p:nvPr>
+        </p:nvSpPr>
+        <p:spPr/>
+        <p:txBody>
+          <a:bodyPr/>
+          <a:lstStyle/>
+          <a:p>
+            <a:r>
+              <a:rPr lang="en-US" altLang="zh-TW" dirty="0"/>
+              <a:t>git</a:t>
+            </a:r>
+            <a:r>
+              <a:rPr lang="zh-TW" altLang="en-US" dirty="0"/>
+              <a:t>衝突解決</a:t>
+            </a:r>
+          </a:p>
+        </p:txBody>
+      </p:sp>
+      <p:sp>
+        <p:nvSpPr>
+          <p:cNvPr id="5" name="文字版面配置區 4">
+            <a:extLst>
+              <a:ext uri="{FF2B5EF4-FFF2-40B4-BE49-F238E27FC236}">
+                <a16:creationId xmlns:a16="http://schemas.microsoft.com/office/drawing/2014/main" id="{214BDA05-3DA8-494B-9F79-7378A22EF9EC}"/>
+              </a:ext>
+            </a:extLst>
+          </p:cNvPr>
+          <p:cNvSpPr>
+            <a:spLocks noGrp="1"/>
+          </p:cNvSpPr>
+          <p:nvPr>
+            <p:ph type="body" idx="1"/>
+          </p:nvPr>
+        </p:nvSpPr>
+        <p:spPr/>
+        <p:txBody>
+          <a:bodyPr/>
+          <a:lstStyle/>
+          <a:p>
+            <a:endParaRPr lang="zh-TW" altLang="en-US"/>
+          </a:p>
+        </p:txBody>
+      </p:sp>
+    </p:spTree>
+    <p:extLst>
+      <p:ext uri="{BB962C8B-B14F-4D97-AF65-F5344CB8AC3E}">
+        <p14:creationId xmlns:p14="http://schemas.microsoft.com/office/powerpoint/2010/main" val="1754559358"/>
+      </p:ext>
+    </p:extLst>
+  </p:cSld>
+  <p:clrMapOvr>
+    <a:masterClrMapping/>
+  </p:clrMapOvr>
+</p:sld>
+</file>
+
+<file path=ppt/slides/slide22.xml><?xml version="1.0" encoding="utf-8"?>
+<p:sld xmlns:a="http://schemas.openxmlformats.org/drawingml/2006/main" xmlns:r="http://schemas.openxmlformats.org/officeDocument/2006/relationships" xmlns:p="http://schemas.openxmlformats.org/presentationml/2006/main">
+  <p:cSld>
+    <p:spTree>
+      <p:nvGrpSpPr>
+        <p:cNvPr id="1" name=""/>
+        <p:cNvGrpSpPr/>
+        <p:nvPr/>
+      </p:nvGrpSpPr>
+      <p:grpSpPr>
+        <a:xfrm>
+          <a:off x="0" y="0"/>
+          <a:ext cx="0" cy="0"/>
+          <a:chOff x="0" y="0"/>
+          <a:chExt cx="0" cy="0"/>
+        </a:xfrm>
+      </p:grpSpPr>
+      <p:sp>
+        <p:nvSpPr>
+          <p:cNvPr id="6" name="標題 5">
+            <a:extLst>
+              <a:ext uri="{FF2B5EF4-FFF2-40B4-BE49-F238E27FC236}">
+                <a16:creationId xmlns:a16="http://schemas.microsoft.com/office/drawing/2014/main" id="{7DACB512-F5FD-4C68-90F3-5A535E9DCD30}"/>
+              </a:ext>
+            </a:extLst>
+          </p:cNvPr>
+          <p:cNvSpPr>
+            <a:spLocks noGrp="1"/>
+          </p:cNvSpPr>
+          <p:nvPr>
+            <p:ph type="title"/>
+          </p:nvPr>
+        </p:nvSpPr>
+        <p:spPr/>
+        <p:txBody>
+          <a:bodyPr/>
+          <a:lstStyle/>
+          <a:p>
+            <a:r>
+              <a:rPr lang="zh-TW" altLang="en-US" dirty="0"/>
+              <a:t>如果</a:t>
+            </a:r>
+            <a:r>
+              <a:rPr lang="en-US" altLang="zh-TW" dirty="0"/>
+              <a:t>A</a:t>
+            </a:r>
+            <a:r>
+              <a:rPr lang="zh-TW" altLang="en-US" dirty="0"/>
+              <a:t>修改了檔案且上傳了，</a:t>
+            </a:r>
+            <a:r>
+              <a:rPr lang="en-US" altLang="zh-TW" dirty="0"/>
+              <a:t>B</a:t>
+            </a:r>
+            <a:r>
+              <a:rPr lang="zh-TW" altLang="en-US" dirty="0"/>
+              <a:t>也修改了檔案，按下拉取</a:t>
+            </a:r>
+            <a:r>
+              <a:rPr lang="en-US" altLang="zh-TW" dirty="0"/>
+              <a:t>pull</a:t>
+            </a:r>
+            <a:r>
+              <a:rPr lang="zh-TW" altLang="en-US" dirty="0"/>
+              <a:t>，結果發現？？</a:t>
+            </a:r>
+          </a:p>
+        </p:txBody>
+      </p:sp>
+      <p:pic>
+        <p:nvPicPr>
+          <p:cNvPr id="17" name="內容版面配置區 16">
+            <a:extLst>
+              <a:ext uri="{FF2B5EF4-FFF2-40B4-BE49-F238E27FC236}">
+                <a16:creationId xmlns:a16="http://schemas.microsoft.com/office/drawing/2014/main" id="{0E72961A-7F38-49DD-A5FA-0CD037A70C4F}"/>
+              </a:ext>
+            </a:extLst>
+          </p:cNvPr>
+          <p:cNvPicPr>
+            <a:picLocks noGrp="1" noChangeAspect="1"/>
+          </p:cNvPicPr>
+          <p:nvPr>
+            <p:ph idx="1"/>
+          </p:nvPr>
+        </p:nvPicPr>
+        <p:blipFill>
+          <a:blip r:embed="rId2">
+            <a:extLst>
+              <a:ext uri="{28A0092B-C50C-407E-A947-70E740481C1C}">
+                <a14:useLocalDpi xmlns:a14="http://schemas.microsoft.com/office/drawing/2010/main" val="0"/>
+              </a:ext>
+            </a:extLst>
+          </a:blip>
+          <a:stretch>
+            <a:fillRect/>
+          </a:stretch>
+        </p:blipFill>
+        <p:spPr>
+          <a:xfrm>
+            <a:off x="838200" y="1995741"/>
+            <a:ext cx="10515600" cy="4011105"/>
+          </a:xfrm>
+        </p:spPr>
+      </p:pic>
+    </p:spTree>
+    <p:extLst>
+      <p:ext uri="{BB962C8B-B14F-4D97-AF65-F5344CB8AC3E}">
+        <p14:creationId xmlns:p14="http://schemas.microsoft.com/office/powerpoint/2010/main" val="1723368866"/>
+      </p:ext>
+    </p:extLst>
+  </p:cSld>
+  <p:clrMapOvr>
+    <a:masterClrMapping/>
+  </p:clrMapOvr>
+</p:sld>
+</file>
+
+<file path=ppt/slides/slide23.xml><?xml version="1.0" encoding="utf-8"?>
+<p:sld xmlns:a="http://schemas.openxmlformats.org/drawingml/2006/main" xmlns:r="http://schemas.openxmlformats.org/officeDocument/2006/relationships" xmlns:p="http://schemas.openxmlformats.org/presentationml/2006/main">
+  <p:cSld>
+    <p:spTree>
+      <p:nvGrpSpPr>
+        <p:cNvPr id="1" name=""/>
+        <p:cNvGrpSpPr/>
+        <p:nvPr/>
+      </p:nvGrpSpPr>
+      <p:grpSpPr>
+        <a:xfrm>
+          <a:off x="0" y="0"/>
+          <a:ext cx="0" cy="0"/>
+          <a:chOff x="0" y="0"/>
+          <a:chExt cx="0" cy="0"/>
+        </a:xfrm>
+      </p:grpSpPr>
+      <p:sp>
+        <p:nvSpPr>
+          <p:cNvPr id="2" name="標題 1">
+            <a:extLst>
+              <a:ext uri="{FF2B5EF4-FFF2-40B4-BE49-F238E27FC236}">
+                <a16:creationId xmlns:a16="http://schemas.microsoft.com/office/drawing/2014/main" id="{36E4785C-84C9-46A3-B5B6-47798A3C4E75}"/>
+              </a:ext>
+            </a:extLst>
+          </p:cNvPr>
+          <p:cNvSpPr>
+            <a:spLocks noGrp="1"/>
+          </p:cNvSpPr>
+          <p:nvPr>
+            <p:ph type="title"/>
+          </p:nvPr>
+        </p:nvSpPr>
+        <p:spPr/>
+        <p:txBody>
+          <a:bodyPr/>
+          <a:lstStyle/>
+          <a:p>
+            <a:endParaRPr lang="zh-TW" altLang="en-US"/>
+          </a:p>
+        </p:txBody>
+      </p:sp>
+      <p:sp>
+        <p:nvSpPr>
+          <p:cNvPr id="3" name="文字版面配置區 2">
+            <a:extLst>
+              <a:ext uri="{FF2B5EF4-FFF2-40B4-BE49-F238E27FC236}">
+                <a16:creationId xmlns:a16="http://schemas.microsoft.com/office/drawing/2014/main" id="{3FD79B06-595F-468A-B06B-FB60DE7AF28B}"/>
+              </a:ext>
+            </a:extLst>
+          </p:cNvPr>
+          <p:cNvSpPr>
+            <a:spLocks noGrp="1"/>
+          </p:cNvSpPr>
+          <p:nvPr>
+            <p:ph type="body" idx="1"/>
+          </p:nvPr>
+        </p:nvSpPr>
+        <p:spPr/>
+        <p:txBody>
+          <a:bodyPr/>
+          <a:lstStyle/>
+          <a:p>
+            <a:endParaRPr lang="zh-TW" altLang="en-US"/>
+          </a:p>
+        </p:txBody>
+      </p:sp>
+      <p:pic>
+        <p:nvPicPr>
+          <p:cNvPr id="4" name="圖片 3">
+            <a:extLst>
+              <a:ext uri="{FF2B5EF4-FFF2-40B4-BE49-F238E27FC236}">
+                <a16:creationId xmlns:a16="http://schemas.microsoft.com/office/drawing/2014/main" id="{0DB45F85-9EB1-4E51-B123-6821FC3F1AD2}"/>
+              </a:ext>
+            </a:extLst>
+          </p:cNvPr>
+          <p:cNvPicPr>
+            <a:picLocks noChangeAspect="1"/>
+          </p:cNvPicPr>
+          <p:nvPr/>
+        </p:nvPicPr>
+        <p:blipFill>
+          <a:blip r:embed="rId2"/>
+          <a:stretch>
+            <a:fillRect/>
+          </a:stretch>
+        </p:blipFill>
+        <p:spPr>
+          <a:xfrm>
+            <a:off x="0" y="161925"/>
+            <a:ext cx="12192000" cy="6534150"/>
+          </a:xfrm>
+          <a:prstGeom prst="rect">
+            <a:avLst/>
+          </a:prstGeom>
+        </p:spPr>
+      </p:pic>
+      <p:sp>
+        <p:nvSpPr>
+          <p:cNvPr id="5" name="橢圓 4">
+            <a:extLst>
+              <a:ext uri="{FF2B5EF4-FFF2-40B4-BE49-F238E27FC236}">
+                <a16:creationId xmlns:a16="http://schemas.microsoft.com/office/drawing/2014/main" id="{6D66515B-3E4A-489A-8FDA-465C3654F49C}"/>
+              </a:ext>
+            </a:extLst>
+          </p:cNvPr>
+          <p:cNvSpPr/>
+          <p:nvPr/>
+        </p:nvSpPr>
+        <p:spPr>
+          <a:xfrm>
+            <a:off x="353961" y="2772697"/>
+            <a:ext cx="1012723" cy="521109"/>
+          </a:xfrm>
+          <a:prstGeom prst="ellipse">
+            <a:avLst/>
+          </a:prstGeom>
+          <a:noFill/>
+          <a:ln w="38100">
+            <a:solidFill>
+              <a:srgbClr val="FF0000"/>
+            </a:solidFill>
+          </a:ln>
+        </p:spPr>
+        <p:style>
+          <a:lnRef idx="2">
+            <a:schemeClr val="accent1">
+              <a:shade val="50000"/>
+            </a:schemeClr>
+          </a:lnRef>
+          <a:fillRef idx="1">
+            <a:schemeClr val="accent1"/>
+          </a:fillRef>
+          <a:effectRef idx="0">
+            <a:schemeClr val="accent1"/>
+          </a:effectRef>
+          <a:fontRef idx="minor">
+            <a:schemeClr val="lt1"/>
+          </a:fontRef>
+        </p:style>
+        <p:txBody>
+          <a:bodyPr rtlCol="0" anchor="ctr"/>
+          <a:lstStyle/>
+          <a:p>
+            <a:pPr algn="ctr"/>
+            <a:endParaRPr lang="zh-TW" altLang="en-US"/>
+          </a:p>
+        </p:txBody>
+      </p:sp>
+      <p:sp>
+        <p:nvSpPr>
+          <p:cNvPr id="6" name="文字方塊 5">
+            <a:extLst>
+              <a:ext uri="{FF2B5EF4-FFF2-40B4-BE49-F238E27FC236}">
+                <a16:creationId xmlns:a16="http://schemas.microsoft.com/office/drawing/2014/main" id="{EB8B9246-B0FE-45E4-B84D-1AA3602BA2DE}"/>
+              </a:ext>
+            </a:extLst>
+          </p:cNvPr>
+          <p:cNvSpPr txBox="1"/>
+          <p:nvPr/>
+        </p:nvSpPr>
+        <p:spPr>
+          <a:xfrm>
+            <a:off x="7443449" y="3033251"/>
+            <a:ext cx="2339102" cy="461665"/>
+          </a:xfrm>
+          <a:prstGeom prst="rect">
+            <a:avLst/>
+          </a:prstGeom>
+          <a:noFill/>
+        </p:spPr>
+        <p:txBody>
+          <a:bodyPr wrap="none" rtlCol="0">
+            <a:spAutoFit/>
+          </a:bodyPr>
+          <a:lstStyle/>
+          <a:p>
+            <a:pPr algn="l"/>
+            <a:r>
+              <a:rPr lang="zh-TW" altLang="en-US" sz="2400" b="1" dirty="0">
+                <a:solidFill>
+                  <a:srgbClr val="FF0000"/>
+                </a:solidFill>
+                <a:latin typeface="微軟正黑體" panose="020B0604030504040204" pitchFamily="34" charset="-120"/>
+                <a:ea typeface="微軟正黑體" panose="020B0604030504040204" pitchFamily="34" charset="-120"/>
+              </a:rPr>
+              <a:t>衝突發生！！！</a:t>
+            </a:r>
+          </a:p>
+        </p:txBody>
+      </p:sp>
+      <p:sp>
+        <p:nvSpPr>
+          <p:cNvPr id="7" name="文字方塊 6">
+            <a:extLst>
+              <a:ext uri="{FF2B5EF4-FFF2-40B4-BE49-F238E27FC236}">
+                <a16:creationId xmlns:a16="http://schemas.microsoft.com/office/drawing/2014/main" id="{0559DB56-8BE2-41DA-8067-306112713FD1}"/>
+              </a:ext>
+            </a:extLst>
+          </p:cNvPr>
+          <p:cNvSpPr txBox="1"/>
+          <p:nvPr/>
+        </p:nvSpPr>
+        <p:spPr>
+          <a:xfrm>
+            <a:off x="1239898" y="3175208"/>
+            <a:ext cx="1723549" cy="461665"/>
+          </a:xfrm>
+          <a:prstGeom prst="rect">
+            <a:avLst/>
+          </a:prstGeom>
+          <a:noFill/>
+        </p:spPr>
+        <p:txBody>
+          <a:bodyPr wrap="none" rtlCol="0">
+            <a:spAutoFit/>
+          </a:bodyPr>
+          <a:lstStyle/>
+          <a:p>
+            <a:pPr algn="l"/>
+            <a:r>
+              <a:rPr lang="zh-TW" altLang="en-US" sz="2400" b="1" dirty="0">
+                <a:solidFill>
+                  <a:srgbClr val="FF0000"/>
+                </a:solidFill>
+                <a:latin typeface="微軟正黑體" panose="020B0604030504040204" pitchFamily="34" charset="-120"/>
+                <a:ea typeface="微軟正黑體" panose="020B0604030504040204" pitchFamily="34" charset="-120"/>
+              </a:rPr>
+              <a:t>衝突的檔案</a:t>
+            </a:r>
+          </a:p>
+        </p:txBody>
+      </p:sp>
+    </p:spTree>
+    <p:extLst>
+      <p:ext uri="{BB962C8B-B14F-4D97-AF65-F5344CB8AC3E}">
+        <p14:creationId xmlns:p14="http://schemas.microsoft.com/office/powerpoint/2010/main" val="3471785298"/>
+      </p:ext>
+    </p:extLst>
+  </p:cSld>
+  <p:clrMapOvr>
+    <a:masterClrMapping/>
+  </p:clrMapOvr>
+</p:sld>
+</file>
+
+<file path=ppt/slides/slide24.xml><?xml version="1.0" encoding="utf-8"?>
+<p:sld xmlns:a="http://schemas.openxmlformats.org/drawingml/2006/main" xmlns:r="http://schemas.openxmlformats.org/officeDocument/2006/relationships" xmlns:p="http://schemas.openxmlformats.org/presentationml/2006/main">
+  <p:cSld>
+    <p:spTree>
+      <p:nvGrpSpPr>
+        <p:cNvPr id="1" name=""/>
+        <p:cNvGrpSpPr/>
+        <p:nvPr/>
+      </p:nvGrpSpPr>
+      <p:grpSpPr>
+        <a:xfrm>
+          <a:off x="0" y="0"/>
+          <a:ext cx="0" cy="0"/>
+          <a:chOff x="0" y="0"/>
+          <a:chExt cx="0" cy="0"/>
+        </a:xfrm>
+      </p:grpSpPr>
+      <p:sp>
+        <p:nvSpPr>
+          <p:cNvPr id="4" name="標題 3">
+            <a:extLst>
+              <a:ext uri="{FF2B5EF4-FFF2-40B4-BE49-F238E27FC236}">
+                <a16:creationId xmlns:a16="http://schemas.microsoft.com/office/drawing/2014/main" id="{10A1F562-7427-48D5-B66A-61E2154963CB}"/>
+              </a:ext>
+            </a:extLst>
+          </p:cNvPr>
+          <p:cNvSpPr>
+            <a:spLocks noGrp="1"/>
+          </p:cNvSpPr>
+          <p:nvPr>
+            <p:ph type="title"/>
+          </p:nvPr>
+        </p:nvSpPr>
+        <p:spPr/>
+        <p:txBody>
+          <a:bodyPr/>
+          <a:lstStyle/>
+          <a:p>
+            <a:r>
+              <a:rPr lang="zh-TW" altLang="en-US" dirty="0"/>
+              <a:t>解決法（常用）：找出程式碼不同點，人工修改</a:t>
+            </a:r>
+          </a:p>
+        </p:txBody>
+      </p:sp>
+      <p:pic>
+        <p:nvPicPr>
+          <p:cNvPr id="6" name="內容版面配置區 5">
+            <a:extLst>
+              <a:ext uri="{FF2B5EF4-FFF2-40B4-BE49-F238E27FC236}">
+                <a16:creationId xmlns:a16="http://schemas.microsoft.com/office/drawing/2014/main" id="{9CDD8023-A2E6-4B75-9529-B42823CC8016}"/>
+              </a:ext>
+            </a:extLst>
+          </p:cNvPr>
+          <p:cNvPicPr>
+            <a:picLocks noGrp="1" noChangeAspect="1"/>
+          </p:cNvPicPr>
+          <p:nvPr>
+            <p:ph idx="1"/>
+          </p:nvPr>
+        </p:nvPicPr>
+        <p:blipFill>
+          <a:blip r:embed="rId2"/>
+          <a:stretch>
+            <a:fillRect/>
+          </a:stretch>
+        </p:blipFill>
+        <p:spPr>
+          <a:xfrm>
+            <a:off x="2032494" y="1825625"/>
+            <a:ext cx="8127012" cy="4351338"/>
+          </a:xfrm>
+          <a:prstGeom prst="rect">
+            <a:avLst/>
+          </a:prstGeom>
+        </p:spPr>
+      </p:pic>
+      <p:sp>
+        <p:nvSpPr>
+          <p:cNvPr id="7" name="矩形 6">
+            <a:extLst>
+              <a:ext uri="{FF2B5EF4-FFF2-40B4-BE49-F238E27FC236}">
+                <a16:creationId xmlns:a16="http://schemas.microsoft.com/office/drawing/2014/main" id="{0CDAFD52-A384-4716-8FFD-8E4600DBA153}"/>
+              </a:ext>
+            </a:extLst>
+          </p:cNvPr>
+          <p:cNvSpPr/>
+          <p:nvPr/>
+        </p:nvSpPr>
+        <p:spPr>
+          <a:xfrm>
+            <a:off x="3144520" y="2677160"/>
+            <a:ext cx="2082800" cy="264160"/>
+          </a:xfrm>
+          <a:prstGeom prst="rect">
+            <a:avLst/>
+          </a:prstGeom>
+          <a:noFill/>
+          <a:ln w="28575">
+            <a:solidFill>
+              <a:srgbClr val="FF0000"/>
+            </a:solidFill>
+          </a:ln>
+        </p:spPr>
+        <p:style>
+          <a:lnRef idx="2">
+            <a:schemeClr val="accent1">
+              <a:shade val="50000"/>
+            </a:schemeClr>
+          </a:lnRef>
+          <a:fillRef idx="1">
+            <a:schemeClr val="accent1"/>
+          </a:fillRef>
+          <a:effectRef idx="0">
+            <a:schemeClr val="accent1"/>
+          </a:effectRef>
+          <a:fontRef idx="minor">
+            <a:schemeClr val="lt1"/>
+          </a:fontRef>
+        </p:style>
+        <p:txBody>
+          <a:bodyPr rtlCol="0" anchor="ctr"/>
+          <a:lstStyle/>
+          <a:p>
+            <a:pPr algn="ctr"/>
+            <a:endParaRPr lang="zh-TW" altLang="en-US"/>
+          </a:p>
+        </p:txBody>
+      </p:sp>
+      <p:sp>
+        <p:nvSpPr>
+          <p:cNvPr id="8" name="文字方塊 7">
+            <a:extLst>
+              <a:ext uri="{FF2B5EF4-FFF2-40B4-BE49-F238E27FC236}">
+                <a16:creationId xmlns:a16="http://schemas.microsoft.com/office/drawing/2014/main" id="{5D15C4FE-D1B7-484F-B512-C9AA61EDB45C}"/>
+              </a:ext>
+            </a:extLst>
+          </p:cNvPr>
+          <p:cNvSpPr txBox="1"/>
+          <p:nvPr/>
+        </p:nvSpPr>
+        <p:spPr>
+          <a:xfrm>
+            <a:off x="4632960" y="2996763"/>
+            <a:ext cx="2262158" cy="369332"/>
+          </a:xfrm>
+          <a:prstGeom prst="rect">
+            <a:avLst/>
+          </a:prstGeom>
+          <a:noFill/>
+        </p:spPr>
+        <p:txBody>
+          <a:bodyPr wrap="none" rtlCol="0">
+            <a:spAutoFit/>
+          </a:bodyPr>
+          <a:lstStyle/>
+          <a:p>
+            <a:pPr algn="l"/>
+            <a:r>
+              <a:rPr lang="zh-TW" altLang="en-US" dirty="0">
+                <a:solidFill>
+                  <a:srgbClr val="FF0000"/>
+                </a:solidFill>
+                <a:latin typeface="微軟正黑體" panose="020B0604030504040204" pitchFamily="34" charset="-120"/>
+                <a:ea typeface="微軟正黑體" panose="020B0604030504040204" pitchFamily="34" charset="-120"/>
+              </a:rPr>
+              <a:t>點取分支，查看檔案</a:t>
+            </a:r>
+          </a:p>
+        </p:txBody>
+      </p:sp>
+      <p:sp>
+        <p:nvSpPr>
+          <p:cNvPr id="9" name="矩形 8">
+            <a:extLst>
+              <a:ext uri="{FF2B5EF4-FFF2-40B4-BE49-F238E27FC236}">
+                <a16:creationId xmlns:a16="http://schemas.microsoft.com/office/drawing/2014/main" id="{B44D5A09-7EE8-4A2C-A5D6-885375A83EFA}"/>
+              </a:ext>
+            </a:extLst>
+          </p:cNvPr>
+          <p:cNvSpPr/>
+          <p:nvPr/>
+        </p:nvSpPr>
+        <p:spPr>
+          <a:xfrm>
+            <a:off x="5853718" y="4861560"/>
+            <a:ext cx="2320002" cy="369332"/>
+          </a:xfrm>
+          <a:prstGeom prst="rect">
+            <a:avLst/>
+          </a:prstGeom>
+          <a:noFill/>
+          <a:ln w="28575">
+            <a:solidFill>
+              <a:srgbClr val="FF0000"/>
+            </a:solidFill>
+          </a:ln>
+        </p:spPr>
+        <p:style>
+          <a:lnRef idx="2">
+            <a:schemeClr val="accent1">
+              <a:shade val="50000"/>
+            </a:schemeClr>
+          </a:lnRef>
+          <a:fillRef idx="1">
+            <a:schemeClr val="accent1"/>
+          </a:fillRef>
+          <a:effectRef idx="0">
+            <a:schemeClr val="accent1"/>
+          </a:effectRef>
+          <a:fontRef idx="minor">
+            <a:schemeClr val="lt1"/>
+          </a:fontRef>
+        </p:style>
+        <p:txBody>
+          <a:bodyPr rtlCol="0" anchor="ctr"/>
+          <a:lstStyle/>
+          <a:p>
+            <a:pPr algn="ctr"/>
+            <a:endParaRPr lang="zh-TW" altLang="en-US"/>
+          </a:p>
+        </p:txBody>
+      </p:sp>
+      <p:sp>
+        <p:nvSpPr>
+          <p:cNvPr id="10" name="文字方塊 9">
+            <a:extLst>
+              <a:ext uri="{FF2B5EF4-FFF2-40B4-BE49-F238E27FC236}">
+                <a16:creationId xmlns:a16="http://schemas.microsoft.com/office/drawing/2014/main" id="{B9A2FAA9-B2D3-448A-8D3B-08FFAE879A21}"/>
+              </a:ext>
+            </a:extLst>
+          </p:cNvPr>
+          <p:cNvSpPr txBox="1"/>
+          <p:nvPr/>
+        </p:nvSpPr>
+        <p:spPr>
+          <a:xfrm>
+            <a:off x="5659120" y="5334595"/>
+            <a:ext cx="4108817" cy="369332"/>
+          </a:xfrm>
+          <a:prstGeom prst="rect">
+            <a:avLst/>
+          </a:prstGeom>
+          <a:noFill/>
+        </p:spPr>
+        <p:txBody>
+          <a:bodyPr wrap="none" rtlCol="0">
+            <a:spAutoFit/>
+          </a:bodyPr>
+          <a:lstStyle/>
+          <a:p>
+            <a:pPr algn="l"/>
+            <a:r>
+              <a:rPr lang="zh-TW" altLang="en-US" b="1" dirty="0">
+                <a:solidFill>
+                  <a:srgbClr val="FF0000"/>
+                </a:solidFill>
+                <a:latin typeface="微軟正黑體" panose="020B0604030504040204" pitchFamily="34" charset="-120"/>
+                <a:ea typeface="微軟正黑體" panose="020B0604030504040204" pitchFamily="34" charset="-120"/>
+              </a:rPr>
+              <a:t>修改的地方，此地範例新增了四行文字</a:t>
+            </a:r>
+          </a:p>
+        </p:txBody>
+      </p:sp>
+    </p:spTree>
+    <p:extLst>
+      <p:ext uri="{BB962C8B-B14F-4D97-AF65-F5344CB8AC3E}">
+        <p14:creationId xmlns:p14="http://schemas.microsoft.com/office/powerpoint/2010/main" val="2414588766"/>
+      </p:ext>
+    </p:extLst>
+  </p:cSld>
+  <p:clrMapOvr>
+    <a:masterClrMapping/>
+  </p:clrMapOvr>
+</p:sld>
+</file>
+
+<file path=ppt/slides/slide25.xml><?xml version="1.0" encoding="utf-8"?>
+<p:sld xmlns:a="http://schemas.openxmlformats.org/drawingml/2006/main" xmlns:r="http://schemas.openxmlformats.org/officeDocument/2006/relationships" xmlns:p="http://schemas.openxmlformats.org/presentationml/2006/main">
+  <p:cSld>
+    <p:spTree>
+      <p:nvGrpSpPr>
+        <p:cNvPr id="1" name=""/>
+        <p:cNvGrpSpPr/>
+        <p:nvPr/>
+      </p:nvGrpSpPr>
+      <p:grpSpPr>
+        <a:xfrm>
+          <a:off x="0" y="0"/>
+          <a:ext cx="0" cy="0"/>
+          <a:chOff x="0" y="0"/>
+          <a:chExt cx="0" cy="0"/>
+        </a:xfrm>
+      </p:grpSpPr>
+      <p:sp>
+        <p:nvSpPr>
+          <p:cNvPr id="2" name="標題 1">
+            <a:extLst>
+              <a:ext uri="{FF2B5EF4-FFF2-40B4-BE49-F238E27FC236}">
+                <a16:creationId xmlns:a16="http://schemas.microsoft.com/office/drawing/2014/main" id="{F04CF3FD-B4E3-4DCE-8A3A-43AA77B6AD21}"/>
+              </a:ext>
+            </a:extLst>
+          </p:cNvPr>
+          <p:cNvSpPr>
+            <a:spLocks noGrp="1"/>
+          </p:cNvSpPr>
+          <p:nvPr>
+            <p:ph type="title"/>
+          </p:nvPr>
+        </p:nvSpPr>
+        <p:spPr/>
+        <p:txBody>
+          <a:bodyPr/>
+          <a:lstStyle/>
+          <a:p>
+            <a:endParaRPr lang="zh-TW" altLang="en-US"/>
+          </a:p>
+        </p:txBody>
+      </p:sp>
+      <p:sp>
+        <p:nvSpPr>
+          <p:cNvPr id="3" name="內容版面配置區 2">
+            <a:extLst>
+              <a:ext uri="{FF2B5EF4-FFF2-40B4-BE49-F238E27FC236}">
+                <a16:creationId xmlns:a16="http://schemas.microsoft.com/office/drawing/2014/main" id="{0A53746B-B97B-479A-9C17-B340E5F960D6}"/>
+              </a:ext>
+            </a:extLst>
+          </p:cNvPr>
+          <p:cNvSpPr>
+            <a:spLocks noGrp="1"/>
+          </p:cNvSpPr>
+          <p:nvPr>
+            <p:ph idx="1"/>
+          </p:nvPr>
+        </p:nvSpPr>
+        <p:spPr/>
+        <p:txBody>
+          <a:bodyPr/>
+          <a:lstStyle/>
+          <a:p>
+            <a:endParaRPr lang="zh-TW" altLang="en-US" dirty="0"/>
+          </a:p>
+        </p:txBody>
+      </p:sp>
+      <p:grpSp>
+        <p:nvGrpSpPr>
+          <p:cNvPr id="9" name="群組 8">
+            <a:extLst>
+              <a:ext uri="{FF2B5EF4-FFF2-40B4-BE49-F238E27FC236}">
+                <a16:creationId xmlns:a16="http://schemas.microsoft.com/office/drawing/2014/main" id="{410708E8-3881-4B2E-B484-312140B972C0}"/>
+              </a:ext>
+            </a:extLst>
+          </p:cNvPr>
+          <p:cNvGrpSpPr/>
+          <p:nvPr/>
+        </p:nvGrpSpPr>
+        <p:grpSpPr>
+          <a:xfrm>
+            <a:off x="114684" y="1378410"/>
+            <a:ext cx="6496050" cy="3748152"/>
+            <a:chOff x="370992" y="1771650"/>
+            <a:chExt cx="6496050" cy="3748152"/>
+          </a:xfrm>
+        </p:grpSpPr>
+        <p:pic>
+          <p:nvPicPr>
+            <p:cNvPr id="4" name="圖片 3">
+              <a:extLst>
+                <a:ext uri="{FF2B5EF4-FFF2-40B4-BE49-F238E27FC236}">
+                  <a16:creationId xmlns:a16="http://schemas.microsoft.com/office/drawing/2014/main" id="{4B946543-D892-400C-B9F3-C33FEC3E635C}"/>
+                </a:ext>
+              </a:extLst>
+            </p:cNvPr>
+            <p:cNvPicPr>
+              <a:picLocks noChangeAspect="1"/>
+            </p:cNvPicPr>
+            <p:nvPr/>
+          </p:nvPicPr>
+          <p:blipFill>
+            <a:blip r:embed="rId2"/>
+            <a:stretch>
+              <a:fillRect/>
+            </a:stretch>
+          </p:blipFill>
+          <p:spPr>
+            <a:xfrm>
+              <a:off x="370992" y="1771650"/>
+              <a:ext cx="6496050" cy="3314700"/>
+            </a:xfrm>
+            <a:prstGeom prst="rect">
+              <a:avLst/>
+            </a:prstGeom>
+            <a:ln w="38100" cap="sq">
+              <a:solidFill>
+                <a:srgbClr val="000000"/>
+              </a:solidFill>
+              <a:prstDash val="solid"/>
+              <a:miter lim="800000"/>
+            </a:ln>
+            <a:effectLst>
+              <a:outerShdw blurRad="50800" dist="38100" dir="2700000" algn="tl" rotWithShape="0">
+                <a:srgbClr val="000000">
+                  <a:alpha val="43000"/>
+                </a:srgbClr>
+              </a:outerShdw>
+            </a:effectLst>
+          </p:spPr>
+        </p:pic>
+        <p:sp>
+          <p:nvSpPr>
+            <p:cNvPr id="6" name="文字方塊 5">
+              <a:extLst>
+                <a:ext uri="{FF2B5EF4-FFF2-40B4-BE49-F238E27FC236}">
+                  <a16:creationId xmlns:a16="http://schemas.microsoft.com/office/drawing/2014/main" id="{78319E43-185C-45DD-8733-A6FC6BEBCFD5}"/>
+                </a:ext>
+              </a:extLst>
+            </p:cNvPr>
+            <p:cNvSpPr txBox="1"/>
+            <p:nvPr/>
+          </p:nvSpPr>
+          <p:spPr>
+            <a:xfrm>
+              <a:off x="393539" y="5058137"/>
+              <a:ext cx="6447099" cy="461665"/>
+            </a:xfrm>
+            <a:prstGeom prst="rect">
+              <a:avLst/>
+            </a:prstGeom>
+            <a:noFill/>
+          </p:spPr>
+          <p:txBody>
+            <a:bodyPr wrap="square" rtlCol="0">
+              <a:spAutoFit/>
+            </a:bodyPr>
+            <a:lstStyle/>
+            <a:p>
+              <a:pPr algn="ctr"/>
+              <a:r>
+                <a:rPr lang="zh-TW" altLang="en-US" sz="2400" b="1" dirty="0">
+                  <a:latin typeface="微軟正黑體" panose="020B0604030504040204" pitchFamily="34" charset="-120"/>
+                  <a:ea typeface="微軟正黑體" panose="020B0604030504040204" pitchFamily="34" charset="-120"/>
+                </a:rPr>
+                <a:t>本地端</a:t>
+              </a:r>
+              <a:r>
+                <a:rPr lang="en-US" altLang="zh-TW" sz="2400" b="1" dirty="0">
+                  <a:latin typeface="微軟正黑體" panose="020B0604030504040204" pitchFamily="34" charset="-120"/>
+                  <a:ea typeface="微軟正黑體" panose="020B0604030504040204" pitchFamily="34" charset="-120"/>
+                </a:rPr>
+                <a:t>main.cpp</a:t>
+              </a:r>
+              <a:r>
+                <a:rPr lang="zh-TW" altLang="en-US" sz="2400" b="1" dirty="0">
+                  <a:latin typeface="微軟正黑體" panose="020B0604030504040204" pitchFamily="34" charset="-120"/>
+                  <a:ea typeface="微軟正黑體" panose="020B0604030504040204" pitchFamily="34" charset="-120"/>
+                </a:rPr>
+                <a:t>程式碼</a:t>
+              </a:r>
+            </a:p>
+          </p:txBody>
+        </p:sp>
+      </p:grpSp>
+      <p:grpSp>
+        <p:nvGrpSpPr>
+          <p:cNvPr id="8" name="群組 7">
+            <a:extLst>
+              <a:ext uri="{FF2B5EF4-FFF2-40B4-BE49-F238E27FC236}">
+                <a16:creationId xmlns:a16="http://schemas.microsoft.com/office/drawing/2014/main" id="{4128604C-CFAD-4A38-B490-4AF01336D2AE}"/>
+              </a:ext>
+            </a:extLst>
+          </p:cNvPr>
+          <p:cNvGrpSpPr/>
+          <p:nvPr/>
+        </p:nvGrpSpPr>
+        <p:grpSpPr>
+          <a:xfrm>
+            <a:off x="6815329" y="2040951"/>
+            <a:ext cx="4333875" cy="2423070"/>
+            <a:chOff x="6096000" y="2774157"/>
+            <a:chExt cx="4333875" cy="2423070"/>
+          </a:xfrm>
+        </p:grpSpPr>
+        <p:pic>
+          <p:nvPicPr>
+            <p:cNvPr id="5" name="圖片 4">
+              <a:extLst>
+                <a:ext uri="{FF2B5EF4-FFF2-40B4-BE49-F238E27FC236}">
+                  <a16:creationId xmlns:a16="http://schemas.microsoft.com/office/drawing/2014/main" id="{1F7A6902-9190-4A80-85DB-B61569A0026F}"/>
+                </a:ext>
+              </a:extLst>
+            </p:cNvPr>
+            <p:cNvPicPr>
+              <a:picLocks noChangeAspect="1"/>
+            </p:cNvPicPr>
+            <p:nvPr/>
+          </p:nvPicPr>
+          <p:blipFill>
+            <a:blip r:embed="rId3"/>
+            <a:stretch>
+              <a:fillRect/>
+            </a:stretch>
+          </p:blipFill>
+          <p:spPr>
+            <a:xfrm>
+              <a:off x="6096000" y="2774157"/>
+              <a:ext cx="4333875" cy="1905000"/>
+            </a:xfrm>
+            <a:prstGeom prst="rect">
+              <a:avLst/>
+            </a:prstGeom>
+            <a:ln w="38100" cap="sq">
+              <a:solidFill>
+                <a:srgbClr val="000000"/>
+              </a:solidFill>
+              <a:prstDash val="solid"/>
+              <a:miter lim="800000"/>
+            </a:ln>
+            <a:effectLst>
+              <a:outerShdw blurRad="50800" dist="38100" dir="2700000" algn="tl" rotWithShape="0">
+                <a:srgbClr val="000000">
+                  <a:alpha val="43000"/>
+                </a:srgbClr>
+              </a:outerShdw>
+            </a:effectLst>
+          </p:spPr>
+        </p:pic>
+        <p:sp>
+          <p:nvSpPr>
+            <p:cNvPr id="7" name="文字方塊 6">
+              <a:extLst>
+                <a:ext uri="{FF2B5EF4-FFF2-40B4-BE49-F238E27FC236}">
+                  <a16:creationId xmlns:a16="http://schemas.microsoft.com/office/drawing/2014/main" id="{C193C4C2-F4AD-488A-9CF5-4B567EC79565}"/>
+                </a:ext>
+              </a:extLst>
+            </p:cNvPr>
+            <p:cNvSpPr txBox="1"/>
+            <p:nvPr/>
+          </p:nvSpPr>
+          <p:spPr>
+            <a:xfrm>
+              <a:off x="6400377" y="4735562"/>
+              <a:ext cx="3725119" cy="461665"/>
+            </a:xfrm>
+            <a:prstGeom prst="rect">
+              <a:avLst/>
+            </a:prstGeom>
+            <a:noFill/>
+          </p:spPr>
+          <p:txBody>
+            <a:bodyPr wrap="square" rtlCol="0">
+              <a:spAutoFit/>
+            </a:bodyPr>
+            <a:lstStyle/>
+            <a:p>
+              <a:pPr algn="ctr"/>
+              <a:r>
+                <a:rPr lang="zh-TW" altLang="en-US" sz="2400" b="1" dirty="0">
+                  <a:latin typeface="微軟正黑體" panose="020B0604030504040204" pitchFamily="34" charset="-120"/>
+                  <a:ea typeface="微軟正黑體" panose="020B0604030504040204" pitchFamily="34" charset="-120"/>
+                </a:rPr>
+                <a:t>遠端</a:t>
+              </a:r>
+              <a:r>
+                <a:rPr lang="en-US" altLang="zh-TW" sz="2400" b="1" dirty="0">
+                  <a:latin typeface="微軟正黑體" panose="020B0604030504040204" pitchFamily="34" charset="-120"/>
+                  <a:ea typeface="微軟正黑體" panose="020B0604030504040204" pitchFamily="34" charset="-120"/>
+                </a:rPr>
+                <a:t>main.cpp</a:t>
+              </a:r>
+              <a:r>
+                <a:rPr lang="zh-TW" altLang="en-US" sz="2400" b="1" dirty="0">
+                  <a:latin typeface="微軟正黑體" panose="020B0604030504040204" pitchFamily="34" charset="-120"/>
+                  <a:ea typeface="微軟正黑體" panose="020B0604030504040204" pitchFamily="34" charset="-120"/>
+                </a:rPr>
+                <a:t>程式碼</a:t>
+              </a:r>
+            </a:p>
+          </p:txBody>
+        </p:sp>
+      </p:grpSp>
+      <p:cxnSp>
+        <p:nvCxnSpPr>
+          <p:cNvPr id="11" name="直線單箭頭接點 10">
+            <a:extLst>
+              <a:ext uri="{FF2B5EF4-FFF2-40B4-BE49-F238E27FC236}">
+                <a16:creationId xmlns:a16="http://schemas.microsoft.com/office/drawing/2014/main" id="{32C29DC9-0A4D-48E8-836E-C04583376CDC}"/>
+              </a:ext>
+            </a:extLst>
+          </p:cNvPr>
+          <p:cNvCxnSpPr/>
+          <p:nvPr/>
+        </p:nvCxnSpPr>
+        <p:spPr>
+          <a:xfrm>
+            <a:off x="6096000" y="3409570"/>
+            <a:ext cx="1211484" cy="0"/>
+          </a:xfrm>
+          <a:prstGeom prst="straightConnector1">
+            <a:avLst/>
+          </a:prstGeom>
+          <a:ln w="76200">
+            <a:solidFill>
+              <a:srgbClr val="FF0000"/>
+            </a:solidFill>
+            <a:headEnd type="triangle"/>
+            <a:tailEnd type="triangle"/>
+          </a:ln>
+        </p:spPr>
+        <p:style>
+          <a:lnRef idx="1">
+            <a:schemeClr val="accent1"/>
+          </a:lnRef>
+          <a:fillRef idx="0">
+            <a:schemeClr val="accent1"/>
+          </a:fillRef>
+          <a:effectRef idx="0">
+            <a:schemeClr val="accent1"/>
+          </a:effectRef>
+          <a:fontRef idx="minor">
+            <a:schemeClr val="tx1"/>
+          </a:fontRef>
+        </p:style>
+      </p:cxnSp>
+      <p:sp>
+        <p:nvSpPr>
+          <p:cNvPr id="12" name="文字方塊 11">
+            <a:extLst>
+              <a:ext uri="{FF2B5EF4-FFF2-40B4-BE49-F238E27FC236}">
+                <a16:creationId xmlns:a16="http://schemas.microsoft.com/office/drawing/2014/main" id="{9FB0E146-B5DC-470F-88B0-4E57CF1B2539}"/>
+              </a:ext>
+            </a:extLst>
+          </p:cNvPr>
+          <p:cNvSpPr txBox="1"/>
+          <p:nvPr/>
+        </p:nvSpPr>
+        <p:spPr>
+          <a:xfrm>
+            <a:off x="5686079" y="3514946"/>
+            <a:ext cx="2031325" cy="646331"/>
+          </a:xfrm>
+          <a:prstGeom prst="rect">
+            <a:avLst/>
+          </a:prstGeom>
+          <a:noFill/>
+        </p:spPr>
+        <p:txBody>
+          <a:bodyPr wrap="none" rtlCol="0">
+            <a:spAutoFit/>
+          </a:bodyPr>
+          <a:lstStyle/>
+          <a:p>
+            <a:pPr algn="l"/>
+            <a:r>
+              <a:rPr lang="zh-TW" altLang="en-US" sz="3600" b="1" dirty="0">
+                <a:solidFill>
+                  <a:srgbClr val="FF0000"/>
+                </a:solidFill>
+                <a:latin typeface="微軟正黑體" panose="020B0604030504040204" pitchFamily="34" charset="-120"/>
+                <a:ea typeface="微軟正黑體" panose="020B0604030504040204" pitchFamily="34" charset="-120"/>
+              </a:rPr>
+              <a:t>衝突產生</a:t>
+            </a:r>
+          </a:p>
+        </p:txBody>
+      </p:sp>
+    </p:spTree>
+    <p:extLst>
+      <p:ext uri="{BB962C8B-B14F-4D97-AF65-F5344CB8AC3E}">
+        <p14:creationId xmlns:p14="http://schemas.microsoft.com/office/powerpoint/2010/main" val="947983852"/>
+      </p:ext>
+    </p:extLst>
+  </p:cSld>
+  <p:clrMapOvr>
+    <a:masterClrMapping/>
+  </p:clrMapOvr>
+</p:sld>
+</file>
+
+<file path=ppt/slides/slide26.xml><?xml version="1.0" encoding="utf-8"?>
+<p:sld xmlns:a="http://schemas.openxmlformats.org/drawingml/2006/main" xmlns:r="http://schemas.openxmlformats.org/officeDocument/2006/relationships" xmlns:p="http://schemas.openxmlformats.org/presentationml/2006/main">
+  <p:cSld>
+    <p:spTree>
+      <p:nvGrpSpPr>
+        <p:cNvPr id="1" name=""/>
+        <p:cNvGrpSpPr/>
+        <p:nvPr/>
+      </p:nvGrpSpPr>
+      <p:grpSpPr>
+        <a:xfrm>
+          <a:off x="0" y="0"/>
+          <a:ext cx="0" cy="0"/>
+          <a:chOff x="0" y="0"/>
+          <a:chExt cx="0" cy="0"/>
+        </a:xfrm>
+      </p:grpSpPr>
+      <p:sp>
+        <p:nvSpPr>
+          <p:cNvPr id="2" name="標題 1">
+            <a:extLst>
+              <a:ext uri="{FF2B5EF4-FFF2-40B4-BE49-F238E27FC236}">
+                <a16:creationId xmlns:a16="http://schemas.microsoft.com/office/drawing/2014/main" id="{EEC2C937-CBB3-4B51-8209-7DCEB56D3A94}"/>
+              </a:ext>
+            </a:extLst>
+          </p:cNvPr>
+          <p:cNvSpPr>
+            <a:spLocks noGrp="1"/>
+          </p:cNvSpPr>
+          <p:nvPr>
+            <p:ph type="title"/>
+          </p:nvPr>
+        </p:nvSpPr>
+        <p:spPr/>
+        <p:txBody>
+          <a:bodyPr/>
+          <a:lstStyle/>
+          <a:p>
+            <a:r>
+              <a:rPr lang="zh-TW" altLang="en-US" dirty="0"/>
+              <a:t>本地端程式碼先複製至其他地方</a:t>
+            </a:r>
+          </a:p>
+        </p:txBody>
+      </p:sp>
+      <p:pic>
+        <p:nvPicPr>
+          <p:cNvPr id="4" name="內容版面配置區 3">
+            <a:extLst>
+              <a:ext uri="{FF2B5EF4-FFF2-40B4-BE49-F238E27FC236}">
+                <a16:creationId xmlns:a16="http://schemas.microsoft.com/office/drawing/2014/main" id="{D27E7E2E-4112-4A6C-B6DA-37ADA6047B9F}"/>
+              </a:ext>
+            </a:extLst>
+          </p:cNvPr>
+          <p:cNvPicPr>
+            <a:picLocks noGrp="1" noChangeAspect="1"/>
+          </p:cNvPicPr>
+          <p:nvPr>
+            <p:ph idx="1"/>
+          </p:nvPr>
+        </p:nvPicPr>
+        <p:blipFill>
+          <a:blip r:embed="rId2"/>
+          <a:stretch>
+            <a:fillRect/>
+          </a:stretch>
+        </p:blipFill>
+        <p:spPr>
+          <a:xfrm>
+            <a:off x="2847975" y="2343944"/>
+            <a:ext cx="6496050" cy="3314700"/>
+          </a:xfrm>
+          <a:prstGeom prst="rect">
+            <a:avLst/>
+          </a:prstGeom>
+          <a:ln w="38100" cap="sq">
+            <a:solidFill>
+              <a:srgbClr val="000000"/>
+            </a:solidFill>
+            <a:prstDash val="solid"/>
+            <a:miter lim="800000"/>
+          </a:ln>
+          <a:effectLst>
+            <a:outerShdw blurRad="50800" dist="38100" dir="2700000" algn="tl" rotWithShape="0">
+              <a:srgbClr val="000000">
+                <a:alpha val="43000"/>
+              </a:srgbClr>
+            </a:outerShdw>
+          </a:effectLst>
+        </p:spPr>
+      </p:pic>
+    </p:spTree>
+    <p:extLst>
+      <p:ext uri="{BB962C8B-B14F-4D97-AF65-F5344CB8AC3E}">
+        <p14:creationId xmlns:p14="http://schemas.microsoft.com/office/powerpoint/2010/main" val="2792661100"/>
+      </p:ext>
+    </p:extLst>
+  </p:cSld>
+  <p:clrMapOvr>
+    <a:masterClrMapping/>
+  </p:clrMapOvr>
+</p:sld>
+</file>
+
+<file path=ppt/slides/slide27.xml><?xml version="1.0" encoding="utf-8"?>
+<p:sld xmlns:a="http://schemas.openxmlformats.org/drawingml/2006/main" xmlns:r="http://schemas.openxmlformats.org/officeDocument/2006/relationships" xmlns:p="http://schemas.openxmlformats.org/presentationml/2006/main">
+  <p:cSld>
+    <p:spTree>
+      <p:nvGrpSpPr>
+        <p:cNvPr id="1" name=""/>
+        <p:cNvGrpSpPr/>
+        <p:nvPr/>
+      </p:nvGrpSpPr>
+      <p:grpSpPr>
+        <a:xfrm>
+          <a:off x="0" y="0"/>
+          <a:ext cx="0" cy="0"/>
+          <a:chOff x="0" y="0"/>
+          <a:chExt cx="0" cy="0"/>
+        </a:xfrm>
+      </p:grpSpPr>
+      <p:sp>
+        <p:nvSpPr>
+          <p:cNvPr id="2" name="標題 1">
+            <a:extLst>
+              <a:ext uri="{FF2B5EF4-FFF2-40B4-BE49-F238E27FC236}">
+                <a16:creationId xmlns:a16="http://schemas.microsoft.com/office/drawing/2014/main" id="{F10E9B3F-FDFD-4A58-920E-229AC9F98CF8}"/>
+              </a:ext>
+            </a:extLst>
+          </p:cNvPr>
+          <p:cNvSpPr>
+            <a:spLocks noGrp="1"/>
+          </p:cNvSpPr>
+          <p:nvPr>
+            <p:ph type="title"/>
+          </p:nvPr>
+        </p:nvSpPr>
+        <p:spPr/>
+        <p:txBody>
+          <a:bodyPr/>
+          <a:lstStyle/>
+          <a:p>
+            <a:r>
+              <a:rPr lang="zh-TW" altLang="en-US" dirty="0"/>
+              <a:t>手動修改至相同或丟棄更改 </a:t>
+            </a:r>
+            <a:r>
+              <a:rPr lang="en-US" altLang="zh-TW" dirty="0">
+                <a:sym typeface="Wingdings" panose="05000000000000000000" pitchFamily="2" charset="2"/>
+              </a:rPr>
+              <a:t></a:t>
+            </a:r>
+            <a:r>
+              <a:rPr lang="zh-TW" altLang="en-US" dirty="0">
+                <a:sym typeface="Wingdings" panose="05000000000000000000" pitchFamily="2" charset="2"/>
+              </a:rPr>
+              <a:t> 拉取成功</a:t>
+            </a:r>
+            <a:endParaRPr lang="zh-TW" altLang="en-US" dirty="0"/>
+          </a:p>
+        </p:txBody>
+      </p:sp>
+      <p:pic>
+        <p:nvPicPr>
+          <p:cNvPr id="7" name="內容版面配置區 6">
+            <a:extLst>
+              <a:ext uri="{FF2B5EF4-FFF2-40B4-BE49-F238E27FC236}">
+                <a16:creationId xmlns:a16="http://schemas.microsoft.com/office/drawing/2014/main" id="{D68080EF-6091-4681-B318-5B4C3FCEDE29}"/>
+              </a:ext>
+            </a:extLst>
+          </p:cNvPr>
+          <p:cNvPicPr>
+            <a:picLocks noGrp="1" noChangeAspect="1"/>
+          </p:cNvPicPr>
+          <p:nvPr>
+            <p:ph idx="1"/>
+          </p:nvPr>
+        </p:nvPicPr>
+        <p:blipFill>
+          <a:blip r:embed="rId2"/>
+          <a:stretch>
+            <a:fillRect/>
+          </a:stretch>
+        </p:blipFill>
+        <p:spPr>
+          <a:xfrm>
+            <a:off x="3214687" y="2715419"/>
+            <a:ext cx="5762625" cy="2571750"/>
+          </a:xfrm>
+          <a:prstGeom prst="rect">
+            <a:avLst/>
+          </a:prstGeom>
+          <a:ln w="38100" cap="sq">
+            <a:solidFill>
+              <a:srgbClr val="000000"/>
+            </a:solidFill>
+            <a:prstDash val="solid"/>
+            <a:miter lim="800000"/>
+          </a:ln>
+          <a:effectLst>
+            <a:outerShdw blurRad="50800" dist="38100" dir="2700000" algn="tl" rotWithShape="0">
+              <a:srgbClr val="000000">
+                <a:alpha val="43000"/>
+              </a:srgbClr>
+            </a:outerShdw>
+          </a:effectLst>
+        </p:spPr>
+      </p:pic>
+    </p:spTree>
+    <p:extLst>
+      <p:ext uri="{BB962C8B-B14F-4D97-AF65-F5344CB8AC3E}">
+        <p14:creationId xmlns:p14="http://schemas.microsoft.com/office/powerpoint/2010/main" val="4215219335"/>
+      </p:ext>
+    </p:extLst>
+  </p:cSld>
+  <p:clrMapOvr>
+    <a:masterClrMapping/>
+  </p:clrMapOvr>
+</p:sld>
+</file>
+
+<file path=ppt/slides/slide28.xml><?xml version="1.0" encoding="utf-8"?>
+<p:sld xmlns:a="http://schemas.openxmlformats.org/drawingml/2006/main" xmlns:r="http://schemas.openxmlformats.org/officeDocument/2006/relationships" xmlns:p="http://schemas.openxmlformats.org/presentationml/2006/main">
+  <p:cSld>
+    <p:spTree>
+      <p:nvGrpSpPr>
+        <p:cNvPr id="1" name=""/>
+        <p:cNvGrpSpPr/>
+        <p:nvPr/>
+      </p:nvGrpSpPr>
+      <p:grpSpPr>
+        <a:xfrm>
+          <a:off x="0" y="0"/>
+          <a:ext cx="0" cy="0"/>
+          <a:chOff x="0" y="0"/>
+          <a:chExt cx="0" cy="0"/>
+        </a:xfrm>
+      </p:grpSpPr>
+      <p:sp>
+        <p:nvSpPr>
+          <p:cNvPr id="2" name="標題 1">
+            <a:extLst>
+              <a:ext uri="{FF2B5EF4-FFF2-40B4-BE49-F238E27FC236}">
+                <a16:creationId xmlns:a16="http://schemas.microsoft.com/office/drawing/2014/main" id="{7B9CC344-6181-44C2-9F06-6C2D80CE0695}"/>
+              </a:ext>
+            </a:extLst>
+          </p:cNvPr>
+          <p:cNvSpPr>
+            <a:spLocks noGrp="1"/>
+          </p:cNvSpPr>
+          <p:nvPr>
+            <p:ph type="title"/>
+          </p:nvPr>
+        </p:nvSpPr>
+        <p:spPr/>
+        <p:txBody>
+          <a:bodyPr/>
+          <a:lstStyle/>
+          <a:p>
+            <a:r>
+              <a:rPr lang="zh-TW" altLang="en-US" dirty="0"/>
+              <a:t>交叉比對，查看兩個程式碼不同的地方</a:t>
+            </a:r>
+          </a:p>
+        </p:txBody>
+      </p:sp>
+      <p:pic>
+        <p:nvPicPr>
+          <p:cNvPr id="4" name="內容版面配置區 6">
+            <a:extLst>
+              <a:ext uri="{FF2B5EF4-FFF2-40B4-BE49-F238E27FC236}">
+                <a16:creationId xmlns:a16="http://schemas.microsoft.com/office/drawing/2014/main" id="{50E26DCC-500F-4B7E-80E8-16F318BFAA9F}"/>
+              </a:ext>
+            </a:extLst>
+          </p:cNvPr>
+          <p:cNvPicPr>
+            <a:picLocks noGrp="1" noChangeAspect="1"/>
+          </p:cNvPicPr>
+          <p:nvPr>
+            <p:ph idx="1"/>
+          </p:nvPr>
+        </p:nvPicPr>
+        <p:blipFill>
+          <a:blip r:embed="rId2"/>
+          <a:stretch>
+            <a:fillRect/>
+          </a:stretch>
+        </p:blipFill>
+        <p:spPr>
+          <a:xfrm>
+            <a:off x="6096000" y="2459223"/>
+            <a:ext cx="5762625" cy="2571750"/>
+          </a:xfrm>
+          <a:prstGeom prst="rect">
+            <a:avLst/>
+          </a:prstGeom>
+          <a:ln w="38100" cap="sq">
+            <a:solidFill>
+              <a:srgbClr val="000000"/>
+            </a:solidFill>
+            <a:prstDash val="solid"/>
+            <a:miter lim="800000"/>
+          </a:ln>
+          <a:effectLst>
+            <a:outerShdw blurRad="50800" dist="38100" dir="2700000" algn="tl" rotWithShape="0">
+              <a:srgbClr val="000000">
+                <a:alpha val="43000"/>
+              </a:srgbClr>
+            </a:outerShdw>
+          </a:effectLst>
+        </p:spPr>
+      </p:pic>
+      <p:pic>
+        <p:nvPicPr>
+          <p:cNvPr id="5" name="內容版面配置區 3">
+            <a:extLst>
+              <a:ext uri="{FF2B5EF4-FFF2-40B4-BE49-F238E27FC236}">
+                <a16:creationId xmlns:a16="http://schemas.microsoft.com/office/drawing/2014/main" id="{1DDB1947-FACF-4F1B-82D7-F648B6496D12}"/>
+              </a:ext>
+            </a:extLst>
+          </p:cNvPr>
+          <p:cNvPicPr>
+            <a:picLocks noChangeAspect="1"/>
+          </p:cNvPicPr>
+          <p:nvPr/>
+        </p:nvPicPr>
+        <p:blipFill>
+          <a:blip r:embed="rId3"/>
+          <a:stretch>
+            <a:fillRect/>
+          </a:stretch>
+        </p:blipFill>
+        <p:spPr>
+          <a:xfrm>
+            <a:off x="422944" y="2459223"/>
+            <a:ext cx="5040039" cy="2571750"/>
+          </a:xfrm>
+          <a:prstGeom prst="rect">
+            <a:avLst/>
+          </a:prstGeom>
+          <a:ln w="38100" cap="sq">
+            <a:solidFill>
+              <a:srgbClr val="000000"/>
+            </a:solidFill>
+            <a:prstDash val="solid"/>
+            <a:miter lim="800000"/>
+          </a:ln>
+          <a:effectLst>
+            <a:outerShdw blurRad="50800" dist="38100" dir="2700000" algn="tl" rotWithShape="0">
+              <a:srgbClr val="000000">
+                <a:alpha val="43000"/>
+              </a:srgbClr>
+            </a:outerShdw>
+          </a:effectLst>
+        </p:spPr>
+      </p:pic>
+      <p:sp>
+        <p:nvSpPr>
+          <p:cNvPr id="6" name="文字方塊 5">
+            <a:extLst>
+              <a:ext uri="{FF2B5EF4-FFF2-40B4-BE49-F238E27FC236}">
+                <a16:creationId xmlns:a16="http://schemas.microsoft.com/office/drawing/2014/main" id="{23CD000A-A3AF-4BBD-BBF4-E45296F659C3}"/>
+              </a:ext>
+            </a:extLst>
+          </p:cNvPr>
+          <p:cNvSpPr txBox="1"/>
+          <p:nvPr/>
+        </p:nvSpPr>
+        <p:spPr>
+          <a:xfrm>
+            <a:off x="422944" y="5123571"/>
+            <a:ext cx="5040039" cy="707886"/>
+          </a:xfrm>
+          <a:prstGeom prst="rect">
+            <a:avLst/>
+          </a:prstGeom>
+          <a:noFill/>
+        </p:spPr>
+        <p:txBody>
+          <a:bodyPr wrap="square" rtlCol="0">
+            <a:spAutoFit/>
+          </a:bodyPr>
+          <a:lstStyle/>
+          <a:p>
+            <a:pPr algn="ctr"/>
+            <a:r>
+              <a:rPr lang="zh-TW" altLang="en-US" sz="2000" b="1" dirty="0">
+                <a:latin typeface="微軟正黑體" panose="020B0604030504040204" pitchFamily="34" charset="-120"/>
+                <a:ea typeface="微軟正黑體" panose="020B0604030504040204" pitchFamily="34" charset="-120"/>
+              </a:rPr>
+              <a:t>複製至其他地方的</a:t>
+            </a:r>
+            <a:r>
+              <a:rPr lang="en-US" altLang="zh-TW" sz="2000" b="1" dirty="0">
+                <a:latin typeface="微軟正黑體" panose="020B0604030504040204" pitchFamily="34" charset="-120"/>
+                <a:ea typeface="微軟正黑體" panose="020B0604030504040204" pitchFamily="34" charset="-120"/>
+              </a:rPr>
+              <a:t>main.cpp</a:t>
+            </a:r>
+          </a:p>
+          <a:p>
+            <a:pPr algn="ctr"/>
+            <a:r>
+              <a:rPr lang="en-US" altLang="zh-TW" sz="2000" b="1" dirty="0" err="1">
+                <a:latin typeface="微軟正黑體" panose="020B0604030504040204" pitchFamily="34" charset="-120"/>
+                <a:ea typeface="微軟正黑體" panose="020B0604030504040204" pitchFamily="34" charset="-120"/>
+              </a:rPr>
+              <a:t>additem</a:t>
+            </a:r>
+            <a:r>
+              <a:rPr lang="zh-TW" altLang="en-US" sz="2000" b="1" dirty="0">
+                <a:latin typeface="微軟正黑體" panose="020B0604030504040204" pitchFamily="34" charset="-120"/>
+                <a:ea typeface="微軟正黑體" panose="020B0604030504040204" pitchFamily="34" charset="-120"/>
+              </a:rPr>
+              <a:t>為本人修改的地方</a:t>
+            </a:r>
+          </a:p>
+        </p:txBody>
+      </p:sp>
+      <p:sp>
+        <p:nvSpPr>
+          <p:cNvPr id="7" name="文字方塊 6">
+            <a:extLst>
+              <a:ext uri="{FF2B5EF4-FFF2-40B4-BE49-F238E27FC236}">
+                <a16:creationId xmlns:a16="http://schemas.microsoft.com/office/drawing/2014/main" id="{9B951825-8ED6-4211-A0C0-E69E5BFAB2AF}"/>
+              </a:ext>
+            </a:extLst>
+          </p:cNvPr>
+          <p:cNvSpPr txBox="1"/>
+          <p:nvPr/>
+        </p:nvSpPr>
+        <p:spPr>
+          <a:xfrm>
+            <a:off x="6457292" y="5123571"/>
+            <a:ext cx="5040039" cy="707886"/>
+          </a:xfrm>
+          <a:prstGeom prst="rect">
+            <a:avLst/>
+          </a:prstGeom>
+          <a:noFill/>
+        </p:spPr>
+        <p:txBody>
+          <a:bodyPr wrap="square" rtlCol="0">
+            <a:spAutoFit/>
+          </a:bodyPr>
+          <a:lstStyle/>
+          <a:p>
+            <a:pPr algn="ctr"/>
+            <a:r>
+              <a:rPr lang="zh-TW" altLang="en-US" sz="2000" b="1" dirty="0">
+                <a:latin typeface="微軟正黑體" panose="020B0604030504040204" pitchFamily="34" charset="-120"/>
+                <a:ea typeface="微軟正黑體" panose="020B0604030504040204" pitchFamily="34" charset="-120"/>
+              </a:rPr>
+              <a:t>本地端</a:t>
+            </a:r>
+            <a:r>
+              <a:rPr lang="en-US" altLang="zh-TW" sz="2000" b="1" dirty="0">
+                <a:latin typeface="微軟正黑體" panose="020B0604030504040204" pitchFamily="34" charset="-120"/>
+                <a:ea typeface="微軟正黑體" panose="020B0604030504040204" pitchFamily="34" charset="-120"/>
+              </a:rPr>
+              <a:t>main.cpp</a:t>
+            </a:r>
+          </a:p>
+          <a:p>
+            <a:pPr algn="ctr"/>
+            <a:r>
+              <a:rPr lang="en-US" altLang="zh-TW" sz="2000" b="1" dirty="0">
+                <a:latin typeface="微軟正黑體" panose="020B0604030504040204" pitchFamily="34" charset="-120"/>
+                <a:ea typeface="微軟正黑體" panose="020B0604030504040204" pitchFamily="34" charset="-120"/>
+              </a:rPr>
+              <a:t>modify</a:t>
+            </a:r>
+            <a:r>
+              <a:rPr lang="zh-TW" altLang="en-US" sz="2000" b="1" dirty="0">
+                <a:latin typeface="微軟正黑體" panose="020B0604030504040204" pitchFamily="34" charset="-120"/>
+                <a:ea typeface="微軟正黑體" panose="020B0604030504040204" pitchFamily="34" charset="-120"/>
+              </a:rPr>
+              <a:t>為其他人修改的地方</a:t>
+            </a:r>
+          </a:p>
+        </p:txBody>
+      </p:sp>
+      <p:sp>
+        <p:nvSpPr>
+          <p:cNvPr id="8" name="文字方塊 7">
+            <a:extLst>
+              <a:ext uri="{FF2B5EF4-FFF2-40B4-BE49-F238E27FC236}">
+                <a16:creationId xmlns:a16="http://schemas.microsoft.com/office/drawing/2014/main" id="{D18E39B3-314C-4140-B5DE-DCE89E27364D}"/>
+              </a:ext>
+            </a:extLst>
+          </p:cNvPr>
+          <p:cNvSpPr txBox="1"/>
+          <p:nvPr/>
+        </p:nvSpPr>
+        <p:spPr>
+          <a:xfrm>
+            <a:off x="838200" y="4259484"/>
+            <a:ext cx="1488311" cy="671331"/>
+          </a:xfrm>
+          <a:prstGeom prst="rect">
+            <a:avLst/>
+          </a:prstGeom>
+          <a:noFill/>
+          <a:ln w="57150">
+            <a:solidFill>
+              <a:srgbClr val="FF0000"/>
+            </a:solidFill>
+          </a:ln>
+        </p:spPr>
+        <p:txBody>
+          <a:bodyPr wrap="square" rtlCol="0">
+            <a:spAutoFit/>
+          </a:bodyPr>
+          <a:lstStyle/>
+          <a:p>
+            <a:pPr algn="l"/>
+            <a:endParaRPr lang="zh-TW" altLang="en-US" dirty="0">
+              <a:latin typeface="微軟正黑體" panose="020B0604030504040204" pitchFamily="34" charset="-120"/>
+              <a:ea typeface="微軟正黑體" panose="020B0604030504040204" pitchFamily="34" charset="-120"/>
+            </a:endParaRPr>
+          </a:p>
+        </p:txBody>
+      </p:sp>
+      <p:sp>
+        <p:nvSpPr>
+          <p:cNvPr id="9" name="文字方塊 8">
+            <a:extLst>
+              <a:ext uri="{FF2B5EF4-FFF2-40B4-BE49-F238E27FC236}">
+                <a16:creationId xmlns:a16="http://schemas.microsoft.com/office/drawing/2014/main" id="{BCEBE3E8-F0A3-4FC2-B080-CEC28084A14C}"/>
+              </a:ext>
+            </a:extLst>
+          </p:cNvPr>
+          <p:cNvSpPr txBox="1"/>
+          <p:nvPr/>
+        </p:nvSpPr>
+        <p:spPr>
+          <a:xfrm>
+            <a:off x="6639045" y="4226690"/>
+            <a:ext cx="2250312" cy="804283"/>
+          </a:xfrm>
+          <a:prstGeom prst="rect">
+            <a:avLst/>
+          </a:prstGeom>
+          <a:noFill/>
+          <a:ln w="57150">
+            <a:solidFill>
+              <a:srgbClr val="FF0000"/>
+            </a:solidFill>
+          </a:ln>
+        </p:spPr>
+        <p:txBody>
+          <a:bodyPr wrap="square" rtlCol="0">
+            <a:spAutoFit/>
+          </a:bodyPr>
+          <a:lstStyle/>
+          <a:p>
+            <a:pPr algn="l"/>
+            <a:endParaRPr lang="zh-TW" altLang="en-US" dirty="0">
+              <a:latin typeface="微軟正黑體" panose="020B0604030504040204" pitchFamily="34" charset="-120"/>
+              <a:ea typeface="微軟正黑體" panose="020B0604030504040204" pitchFamily="34" charset="-120"/>
+            </a:endParaRPr>
+          </a:p>
+        </p:txBody>
+      </p:sp>
+    </p:spTree>
+    <p:extLst>
+      <p:ext uri="{BB962C8B-B14F-4D97-AF65-F5344CB8AC3E}">
+        <p14:creationId xmlns:p14="http://schemas.microsoft.com/office/powerpoint/2010/main" val="3482998124"/>
+      </p:ext>
+    </p:extLst>
+  </p:cSld>
+  <p:clrMapOvr>
+    <a:masterClrMapping/>
+  </p:clrMapOvr>
+</p:sld>
+</file>
+
+<file path=ppt/slides/slide29.xml><?xml version="1.0" encoding="utf-8"?>
+<p:sld xmlns:a="http://schemas.openxmlformats.org/drawingml/2006/main" xmlns:r="http://schemas.openxmlformats.org/officeDocument/2006/relationships" xmlns:p="http://schemas.openxmlformats.org/presentationml/2006/main">
+  <p:cSld>
+    <p:spTree>
+      <p:nvGrpSpPr>
+        <p:cNvPr id="1" name=""/>
+        <p:cNvGrpSpPr/>
+        <p:nvPr/>
+      </p:nvGrpSpPr>
+      <p:grpSpPr>
+        <a:xfrm>
+          <a:off x="0" y="0"/>
+          <a:ext cx="0" cy="0"/>
+          <a:chOff x="0" y="0"/>
+          <a:chExt cx="0" cy="0"/>
+        </a:xfrm>
+      </p:grpSpPr>
+      <p:sp>
+        <p:nvSpPr>
+          <p:cNvPr id="2" name="標題 1">
+            <a:extLst>
+              <a:ext uri="{FF2B5EF4-FFF2-40B4-BE49-F238E27FC236}">
+                <a16:creationId xmlns:a16="http://schemas.microsoft.com/office/drawing/2014/main" id="{94687192-C270-464F-9C31-D36B4324208C}"/>
+              </a:ext>
+            </a:extLst>
+          </p:cNvPr>
+          <p:cNvSpPr>
+            <a:spLocks noGrp="1"/>
+          </p:cNvSpPr>
+          <p:nvPr>
+            <p:ph type="title"/>
+          </p:nvPr>
+        </p:nvSpPr>
+        <p:spPr/>
+        <p:txBody>
+          <a:bodyPr/>
+          <a:lstStyle/>
+          <a:p>
+            <a:r>
+              <a:rPr lang="zh-TW" altLang="en-US" dirty="0"/>
+              <a:t>把自己修改的程式碼加進本地端</a:t>
+            </a:r>
+            <a:r>
+              <a:rPr lang="en-US" altLang="zh-TW" dirty="0"/>
+              <a:t>main.cpp</a:t>
+            </a:r>
+            <a:r>
+              <a:rPr lang="zh-TW" altLang="en-US" dirty="0"/>
+              <a:t>中，並且提交</a:t>
+            </a:r>
+          </a:p>
+        </p:txBody>
+      </p:sp>
+      <p:pic>
+        <p:nvPicPr>
+          <p:cNvPr id="7" name="內容版面配置區 6">
+            <a:extLst>
+              <a:ext uri="{FF2B5EF4-FFF2-40B4-BE49-F238E27FC236}">
+                <a16:creationId xmlns:a16="http://schemas.microsoft.com/office/drawing/2014/main" id="{51598806-518F-4A73-A3BC-968ED08DDE9E}"/>
+              </a:ext>
+            </a:extLst>
+          </p:cNvPr>
+          <p:cNvPicPr>
+            <a:picLocks noGrp="1" noChangeAspect="1"/>
+          </p:cNvPicPr>
+          <p:nvPr>
+            <p:ph idx="1"/>
+          </p:nvPr>
+        </p:nvPicPr>
+        <p:blipFill>
+          <a:blip r:embed="rId2"/>
+          <a:stretch>
+            <a:fillRect/>
+          </a:stretch>
+        </p:blipFill>
+        <p:spPr>
+          <a:xfrm>
+            <a:off x="3478554" y="2320745"/>
+            <a:ext cx="5234892" cy="3238759"/>
+          </a:xfrm>
+          <a:prstGeom prst="rect">
+            <a:avLst/>
+          </a:prstGeom>
+          <a:ln w="38100" cap="sq">
+            <a:solidFill>
+              <a:srgbClr val="000000"/>
+            </a:solidFill>
+            <a:prstDash val="solid"/>
+            <a:miter lim="800000"/>
+          </a:ln>
+          <a:effectLst>
+            <a:outerShdw blurRad="50800" dist="38100" dir="2700000" algn="tl" rotWithShape="0">
+              <a:srgbClr val="000000">
+                <a:alpha val="43000"/>
+              </a:srgbClr>
+            </a:outerShdw>
+          </a:effectLst>
+        </p:spPr>
+      </p:pic>
+    </p:spTree>
+    <p:extLst>
+      <p:ext uri="{BB962C8B-B14F-4D97-AF65-F5344CB8AC3E}">
+        <p14:creationId xmlns:p14="http://schemas.microsoft.com/office/powerpoint/2010/main" val="2253734597"/>
+      </p:ext>
+    </p:extLst>
+  </p:cSld>
+  <p:clrMapOvr>
+    <a:masterClrMapping/>
+  </p:clrMapOvr>
+</p:sld>
+</file>
+
 <file path=ppt/slides/slide3.xml><?xml version="1.0" encoding="utf-8"?>
 <p:sld xmlns:a="http://schemas.openxmlformats.org/drawingml/2006/main" xmlns:r="http://schemas.openxmlformats.org/officeDocument/2006/relationships" xmlns:p="http://schemas.openxmlformats.org/presentationml/2006/main">
   <p:cSld>
@@ -6004,6 +7832,110 @@
     <p:extLst>
       <p:ext uri="{BB962C8B-B14F-4D97-AF65-F5344CB8AC3E}">
         <p14:creationId xmlns:p14="http://schemas.microsoft.com/office/powerpoint/2010/main" val="3867402223"/>
+      </p:ext>
+    </p:extLst>
+  </p:cSld>
+  <p:clrMapOvr>
+    <a:masterClrMapping/>
+  </p:clrMapOvr>
+</p:sld>
+</file>
+
+<file path=ppt/slides/slide30.xml><?xml version="1.0" encoding="utf-8"?>
+<p:sld xmlns:a="http://schemas.openxmlformats.org/drawingml/2006/main" xmlns:r="http://schemas.openxmlformats.org/officeDocument/2006/relationships" xmlns:p="http://schemas.openxmlformats.org/presentationml/2006/main">
+  <p:cSld>
+    <p:spTree>
+      <p:nvGrpSpPr>
+        <p:cNvPr id="1" name=""/>
+        <p:cNvGrpSpPr/>
+        <p:nvPr/>
+      </p:nvGrpSpPr>
+      <p:grpSpPr>
+        <a:xfrm>
+          <a:off x="0" y="0"/>
+          <a:ext cx="0" cy="0"/>
+          <a:chOff x="0" y="0"/>
+          <a:chExt cx="0" cy="0"/>
+        </a:xfrm>
+      </p:grpSpPr>
+      <p:sp>
+        <p:nvSpPr>
+          <p:cNvPr id="2" name="標題 1">
+            <a:extLst>
+              <a:ext uri="{FF2B5EF4-FFF2-40B4-BE49-F238E27FC236}">
+                <a16:creationId xmlns:a16="http://schemas.microsoft.com/office/drawing/2014/main" id="{F297C4FF-80E3-4307-8E5A-A289F50A2317}"/>
+              </a:ext>
+            </a:extLst>
+          </p:cNvPr>
+          <p:cNvSpPr>
+            <a:spLocks noGrp="1"/>
+          </p:cNvSpPr>
+          <p:nvPr>
+            <p:ph type="title"/>
+          </p:nvPr>
+        </p:nvSpPr>
+        <p:spPr/>
+        <p:txBody>
+          <a:bodyPr/>
+          <a:lstStyle/>
+          <a:p>
+            <a:r>
+              <a:rPr lang="zh-TW" altLang="en-US" dirty="0"/>
+              <a:t>衝突解決，提交成功，分支消失</a:t>
+            </a:r>
+          </a:p>
+        </p:txBody>
+      </p:sp>
+      <p:pic>
+        <p:nvPicPr>
+          <p:cNvPr id="4" name="內容版面配置區 3">
+            <a:extLst>
+              <a:ext uri="{FF2B5EF4-FFF2-40B4-BE49-F238E27FC236}">
+                <a16:creationId xmlns:a16="http://schemas.microsoft.com/office/drawing/2014/main" id="{0BAB24F9-3A96-467D-8BCF-E9931F4852AF}"/>
+              </a:ext>
+            </a:extLst>
+          </p:cNvPr>
+          <p:cNvPicPr>
+            <a:picLocks noGrp="1" noChangeAspect="1"/>
+          </p:cNvPicPr>
+          <p:nvPr>
+            <p:ph idx="1"/>
+          </p:nvPr>
+        </p:nvPicPr>
+        <p:blipFill>
+          <a:blip r:embed="rId2"/>
+          <a:stretch>
+            <a:fillRect/>
+          </a:stretch>
+        </p:blipFill>
+        <p:spPr>
+          <a:xfrm>
+            <a:off x="2024573" y="1825625"/>
+            <a:ext cx="8142854" cy="4351338"/>
+          </a:xfrm>
+          <a:prstGeom prst="rect">
+            <a:avLst/>
+          </a:prstGeom>
+          <a:ln w="38100" cap="sq">
+            <a:solidFill>
+              <a:srgbClr val="000000"/>
+            </a:solidFill>
+            <a:prstDash val="solid"/>
+            <a:miter lim="800000"/>
+          </a:ln>
+          <a:effectLst>
+            <a:outerShdw blurRad="50800" dist="38100" dir="2700000" algn="tl" rotWithShape="0">
+              <a:srgbClr val="000000">
+                <a:alpha val="43000"/>
+              </a:srgbClr>
+            </a:outerShdw>
+          </a:effectLst>
+        </p:spPr>
+      </p:pic>
+    </p:spTree>
+    <p:extLst>
+      <p:ext uri="{BB962C8B-B14F-4D97-AF65-F5344CB8AC3E}">
+        <p14:creationId xmlns:p14="http://schemas.microsoft.com/office/powerpoint/2010/main" val="3252822921"/>
       </p:ext>
     </p:extLst>
   </p:cSld>
